--- a/01. Front-End Web/01. Presentations/PPT/05. Pseudo-Classes.pptx
+++ b/01. Front-End Web/01. Presentations/PPT/05. Pseudo-Classes.pptx
@@ -5,11 +5,12 @@
     <p:sldMasterId id="2147483684" r:id="rId1"/>
   </p:sldMasterIdLst>
   <p:notesMasterIdLst>
-    <p:notesMasterId r:id="rId4"/>
+    <p:notesMasterId r:id="rId5"/>
   </p:notesMasterIdLst>
   <p:sldIdLst>
     <p:sldId id="258" r:id="rId2"/>
     <p:sldId id="378" r:id="rId3"/>
+    <p:sldId id="379" r:id="rId4"/>
   </p:sldIdLst>
   <p:sldSz cx="12192000" cy="6858000"/>
   <p:notesSz cx="6858000" cy="9144000"/>
@@ -110,7 +111,7 @@
   </p:defaultTextStyle>
   <p:extLst>
     <p:ext uri="{EFAFB233-063F-42B5-8137-9DF3F51BA10A}">
-      <p15:sldGuideLst xmlns:p15="http://schemas.microsoft.com/office/powerpoint/2012/main" xmlns=""/>
+      <p15:sldGuideLst xmlns="" xmlns:p15="http://schemas.microsoft.com/office/powerpoint/2012/main"/>
     </p:ext>
   </p:extLst>
 </p:presentation>
@@ -198,7 +199,7 @@
           <a:p>
             <a:fld id="{8365AC51-C568-4371-A28D-D14CF2BCF8BA}" type="datetimeFigureOut">
               <a:rPr lang="en-US" smtClean="0"/>
-              <a:t>7/1/2024</a:t>
+              <a:t>7/2/2024</a:t>
             </a:fld>
             <a:endParaRPr lang="en-US" dirty="0"/>
           </a:p>
@@ -1022,7 +1023,7 @@
           <p:cNvPr id="7" name="Footer Placeholder 4">
             <a:extLst>
               <a:ext uri="{FF2B5EF4-FFF2-40B4-BE49-F238E27FC236}">
-                <a16:creationId xmlns:a16="http://schemas.microsoft.com/office/drawing/2014/main" xmlns="" id="{D057E4A9-8BC1-4D03-B0CD-00353C3D487D}"/>
+                <a16:creationId xmlns="" xmlns:a16="http://schemas.microsoft.com/office/drawing/2014/main" id="{D057E4A9-8BC1-4D03-B0CD-00353C3D487D}"/>
               </a:ext>
             </a:extLst>
           </p:cNvPr>
@@ -3979,6 +3980,94 @@
         <p:spPr>
           <a:xfrm>
             <a:off x="417576" y="382261"/>
+            <a:ext cx="11430000" cy="2554545"/>
+          </a:xfrm>
+          <a:prstGeom prst="rect">
+            <a:avLst/>
+          </a:prstGeom>
+          <a:noFill/>
+        </p:spPr>
+        <p:txBody>
+          <a:bodyPr wrap="square" rtlCol="0">
+            <a:spAutoFit/>
+          </a:bodyPr>
+          <a:lstStyle/>
+          <a:p>
+            <a:r>
+              <a:rPr lang="en-US" sz="4000" b="1" dirty="0" smtClean="0"/>
+              <a:t>Pseudo-Classes</a:t>
+            </a:r>
+          </a:p>
+          <a:p>
+            <a:endParaRPr lang="en-US" sz="4000" b="1" dirty="0" smtClean="0"/>
+          </a:p>
+          <a:p>
+            <a:r>
+              <a:rPr lang="en-US" sz="4000" b="1" dirty="0" smtClean="0"/>
+              <a:t>- are keywords added to selectors that specify a </a:t>
+            </a:r>
+            <a:r>
+              <a:rPr lang="en-US" sz="4000" b="1" dirty="0" smtClean="0">
+                <a:solidFill>
+                  <a:srgbClr val="FF0000"/>
+                </a:solidFill>
+              </a:rPr>
+              <a:t>special state </a:t>
+            </a:r>
+            <a:r>
+              <a:rPr lang="en-US" sz="4000" b="1" dirty="0" smtClean="0"/>
+              <a:t>of the selected elements</a:t>
+            </a:r>
+            <a:endParaRPr lang="en-US" sz="4000" b="1" dirty="0"/>
+          </a:p>
+        </p:txBody>
+      </p:sp>
+    </p:spTree>
+    <p:extLst>
+      <p:ext uri="{BB962C8B-B14F-4D97-AF65-F5344CB8AC3E}">
+        <p14:creationId xmlns:p14="http://schemas.microsoft.com/office/powerpoint/2010/main" val="2047892422"/>
+      </p:ext>
+    </p:extLst>
+  </p:cSld>
+  <p:clrMapOvr>
+    <a:masterClrMapping/>
+  </p:clrMapOvr>
+  <p:timing>
+    <p:tnLst>
+      <p:par>
+        <p:cTn id="1" dur="indefinite" restart="never" nodeType="tmRoot"/>
+      </p:par>
+    </p:tnLst>
+  </p:timing>
+</p:sld>
+</file>
+
+<file path=ppt/slides/slide3.xml><?xml version="1.0" encoding="utf-8"?>
+<p:sld xmlns:a="http://schemas.openxmlformats.org/drawingml/2006/main" xmlns:r="http://schemas.openxmlformats.org/officeDocument/2006/relationships" xmlns:p="http://schemas.openxmlformats.org/presentationml/2006/main">
+  <p:cSld>
+    <p:spTree>
+      <p:nvGrpSpPr>
+        <p:cNvPr id="1" name=""/>
+        <p:cNvGrpSpPr/>
+        <p:nvPr/>
+      </p:nvGrpSpPr>
+      <p:grpSpPr>
+        <a:xfrm>
+          <a:off x="0" y="0"/>
+          <a:ext cx="0" cy="0"/>
+          <a:chOff x="0" y="0"/>
+          <a:chExt cx="0" cy="0"/>
+        </a:xfrm>
+      </p:grpSpPr>
+      <p:sp>
+        <p:nvSpPr>
+          <p:cNvPr id="4" name="TextBox 3"/>
+          <p:cNvSpPr txBox="1"/>
+          <p:nvPr/>
+        </p:nvSpPr>
+        <p:spPr>
+          <a:xfrm>
+            <a:off x="417576" y="382261"/>
             <a:ext cx="11430000" cy="5755422"/>
           </a:xfrm>
           <a:prstGeom prst="rect">
@@ -4007,100 +4096,156 @@
                   <a:srgbClr val="0070C0"/>
                 </a:solidFill>
               </a:rPr>
-              <a:t>:link</a:t>
-            </a:r>
-          </a:p>
-          <a:p>
+              <a:t>:</a:t>
+            </a:r>
             <a:r>
               <a:rPr lang="en-US" sz="3200" b="1" dirty="0" smtClean="0">
                 <a:solidFill>
                   <a:srgbClr val="0070C0"/>
                 </a:solidFill>
               </a:rPr>
+              <a:t>link	</a:t>
+            </a:r>
+            <a:r>
+              <a:rPr lang="en-US" sz="3200" b="1" dirty="0" smtClean="0"/>
+              <a:t>		- selects unvisited links			</a:t>
+            </a:r>
+            <a:endParaRPr lang="en-US" sz="3200" b="1" dirty="0" smtClean="0"/>
+          </a:p>
+          <a:p>
+            <a:r>
+              <a:rPr lang="en-US" sz="3200" b="1" dirty="0">
+                <a:solidFill>
+                  <a:srgbClr val="0070C0"/>
+                </a:solidFill>
+              </a:rPr>
               <a:t>:visited</a:t>
             </a:r>
-          </a:p>
-          <a:p>
-            <a:r>
-              <a:rPr lang="en-US" sz="3200" b="1" dirty="0" smtClean="0">
+            <a:r>
+              <a:rPr lang="en-US" sz="3200" b="1" dirty="0" smtClean="0"/>
+              <a:t>		- selects links that are already visited</a:t>
+            </a:r>
+            <a:endParaRPr lang="en-US" sz="3200" b="1" dirty="0" smtClean="0"/>
+          </a:p>
+          <a:p>
+            <a:r>
+              <a:rPr lang="en-US" sz="3200" b="1" dirty="0">
                 <a:solidFill>
                   <a:srgbClr val="0070C0"/>
                 </a:solidFill>
               </a:rPr>
               <a:t>:hover</a:t>
             </a:r>
-          </a:p>
-          <a:p>
-            <a:r>
-              <a:rPr lang="en-US" sz="3200" b="1" dirty="0" smtClean="0">
+            <a:r>
+              <a:rPr lang="en-US" sz="3200" b="1" dirty="0" smtClean="0"/>
+              <a:t>		</a:t>
+            </a:r>
+            <a:r>
+              <a:rPr lang="en-US" sz="2800" b="1" dirty="0" smtClean="0"/>
+              <a:t>- applies styles when the user hovers over an element</a:t>
+            </a:r>
+            <a:endParaRPr lang="en-US" sz="2800" b="1" dirty="0" smtClean="0"/>
+          </a:p>
+          <a:p>
+            <a:r>
+              <a:rPr lang="en-US" sz="3200" b="1" dirty="0">
                 <a:solidFill>
                   <a:srgbClr val="0070C0"/>
                 </a:solidFill>
               </a:rPr>
               <a:t>:active</a:t>
             </a:r>
-          </a:p>
-          <a:p>
-            <a:r>
-              <a:rPr lang="en-US" sz="3200" b="1" dirty="0" smtClean="0">
+            <a:r>
+              <a:rPr lang="en-US" sz="3200" b="1" dirty="0" smtClean="0"/>
+              <a:t>		- targets element that is being activated</a:t>
+            </a:r>
+            <a:endParaRPr lang="en-US" sz="3200" b="1" dirty="0" smtClean="0"/>
+          </a:p>
+          <a:p>
+            <a:r>
+              <a:rPr lang="en-US" sz="3200" b="1" dirty="0">
                 <a:solidFill>
                   <a:srgbClr val="0070C0"/>
                 </a:solidFill>
               </a:rPr>
-              <a:t>:checked</a:t>
-            </a:r>
-          </a:p>
-          <a:p>
-            <a:r>
-              <a:rPr lang="en-US" sz="3200" b="1" dirty="0" smtClean="0">
+              <a:t>:checked	</a:t>
+            </a:r>
+            <a:r>
+              <a:rPr lang="en-US" sz="3200" b="1" dirty="0" smtClean="0"/>
+              <a:t>	- applies to checkboxes or radio buttons</a:t>
+            </a:r>
+            <a:endParaRPr lang="en-US" sz="3200" b="1" dirty="0" smtClean="0"/>
+          </a:p>
+          <a:p>
+            <a:r>
+              <a:rPr lang="en-US" sz="3200" b="1" dirty="0">
                 <a:solidFill>
                   <a:srgbClr val="0070C0"/>
                 </a:solidFill>
               </a:rPr>
               <a:t>:nth-child()</a:t>
             </a:r>
-          </a:p>
-          <a:p>
-            <a:r>
-              <a:rPr lang="en-US" sz="3200" b="1" dirty="0" smtClean="0">
+            <a:r>
+              <a:rPr lang="en-US" sz="3200" b="1" dirty="0" smtClean="0"/>
+              <a:t>	</a:t>
+            </a:r>
+            <a:r>
+              <a:rPr lang="en-US" sz="2400" b="1" dirty="0" smtClean="0"/>
+              <a:t>- matches elements based on their position in a group of siblings</a:t>
+            </a:r>
+            <a:endParaRPr lang="en-US" sz="2400" b="1" dirty="0" smtClean="0"/>
+          </a:p>
+          <a:p>
+            <a:r>
+              <a:rPr lang="en-US" sz="3200" b="1" dirty="0">
                 <a:solidFill>
                   <a:srgbClr val="0070C0"/>
                 </a:solidFill>
               </a:rPr>
               <a:t>:not()</a:t>
             </a:r>
-          </a:p>
-          <a:p>
-            <a:r>
-              <a:rPr lang="en-US" sz="3200" b="1" dirty="0" smtClean="0">
+            <a:r>
+              <a:rPr lang="en-US" sz="3200" b="1" dirty="0" smtClean="0"/>
+              <a:t>		- elements that do not match a given selector</a:t>
+            </a:r>
+            <a:endParaRPr lang="en-US" sz="3200" b="1" dirty="0" smtClean="0"/>
+          </a:p>
+          <a:p>
+            <a:r>
+              <a:rPr lang="en-US" sz="3200" b="1" dirty="0">
                 <a:solidFill>
                   <a:srgbClr val="0070C0"/>
                 </a:solidFill>
               </a:rPr>
-              <a:t>:first-child</a:t>
-            </a:r>
-          </a:p>
-          <a:p>
-            <a:r>
-              <a:rPr lang="en-US" sz="3200" b="1" dirty="0" smtClean="0">
+              <a:t>:first-child	</a:t>
+            </a:r>
+            <a:r>
+              <a:rPr lang="en-US" sz="3200" b="1" dirty="0" smtClean="0"/>
+              <a:t>	- first child of a parent element</a:t>
+            </a:r>
+            <a:endParaRPr lang="en-US" sz="3200" b="1" dirty="0" smtClean="0"/>
+          </a:p>
+          <a:p>
+            <a:r>
+              <a:rPr lang="en-US" sz="3200" b="1" dirty="0">
                 <a:solidFill>
                   <a:srgbClr val="0070C0"/>
                 </a:solidFill>
               </a:rPr>
-              <a:t>:last-child</a:t>
-            </a:r>
-            <a:endParaRPr lang="en-US" sz="3200" b="1" dirty="0">
-              <a:solidFill>
-                <a:srgbClr val="0070C0"/>
-              </a:solidFill>
-            </a:endParaRPr>
+              <a:t>:last-child	</a:t>
+            </a:r>
+            <a:r>
+              <a:rPr lang="en-US" sz="3200" b="1" dirty="0" smtClean="0"/>
+              <a:t>	- last child of a parent element</a:t>
+            </a:r>
+            <a:endParaRPr lang="en-US" sz="3200" b="1" dirty="0"/>
           </a:p>
         </p:txBody>
       </p:sp>
     </p:spTree>
     <p:extLst>
       <p:ext uri="{BB962C8B-B14F-4D97-AF65-F5344CB8AC3E}">
-        <p14:creationId xmlns:p14="http://schemas.microsoft.com/office/powerpoint/2010/main" val="2047892422"/>
+        <p14:creationId xmlns:p14="http://schemas.microsoft.com/office/powerpoint/2010/main" val="2765650043"/>
       </p:ext>
     </p:extLst>
   </p:cSld>
@@ -4657,7 +4802,7 @@
   <a:extraClrSchemeLst/>
   <a:extLst>
     <a:ext uri="{05A4C25C-085E-4340-85A3-A5531E510DB2}">
-      <thm15:themeFamily xmlns:thm15="http://schemas.microsoft.com/office/thememl/2012/main" xmlns="" name="Office Theme" id="{62F939B6-93AF-4DB8-9C6B-D6C7DFDC589F}" vid="{4A3C46E8-61CC-4603-A589-7422A47A8E4A}"/>
+      <thm15:themeFamily xmlns="" xmlns:thm15="http://schemas.microsoft.com/office/thememl/2012/main" name="Office Theme" id="{62F939B6-93AF-4DB8-9C6B-D6C7DFDC589F}" vid="{4A3C46E8-61CC-4603-A589-7422A47A8E4A}"/>
     </a:ext>
   </a:extLst>
 </a:theme>
